--- a/announcements.pptx
+++ b/announcements.pptx
@@ -3499,7 +3499,17 @@
             </a:r>
             <a:r>
               <a:rPr lang="en-US" b="1" dirty="0"/>
-              <a:t> (@DEH-:</a:t>
+              <a:t> (</a:t>
+            </a:r>
+            <a:r>
+              <a:rPr lang="en-US" b="1" dirty="0">
+                <a:hlinkClick r:id="rId2"/>
+              </a:rPr>
+              <a:t>egawati.panjei@ou.edu</a:t>
+            </a:r>
+            <a:r>
+              <a:rPr lang="en-US" b="1" dirty="0"/>
+              <a:t>, @DEH-TBD):</a:t>
             </a:r>
           </a:p>
           <a:p>
@@ -3520,7 +3530,17 @@
             </a:pPr>
             <a:r>
               <a:rPr lang="en-US" b="1" dirty="0"/>
-              <a:t>Olivia Black(@DEH-150):</a:t>
+              <a:t>Olivia Black(</a:t>
+            </a:r>
+            <a:r>
+              <a:rPr lang="en-US" b="1" dirty="0">
+                <a:hlinkClick r:id="rId3"/>
+              </a:rPr>
+              <a:t>olivia.black@ou.edu</a:t>
+            </a:r>
+            <a:r>
+              <a:rPr lang="en-US" b="1" dirty="0"/>
+              <a:t>, @DEH-150):</a:t>
             </a:r>
           </a:p>
           <a:p>
